--- a/Presentation-WPS Office Adhithya.pptx
+++ b/Presentation-WPS Office Adhithya.pptx
@@ -20,6 +20,7 @@
     <p:sldId id="266" r:id="rId12"/>
     <p:sldId id="267" r:id="rId13"/>
     <p:sldId id="268" r:id="rId14"/>
+    <p:sldId id="269" r:id="rId15"/>
   </p:sldIdLst>
   <p:sldSz type="screen16x9" cy="6858000" cx="12192000"/>
   <p:notesSz cx="6858000" cy="9144000"/>
@@ -3457,8 +3458,48 @@
                 <a:latin typeface="quote-cjk-patch"/>
                 <a:ea typeface="quote-cjk-patch"/>
               </a:rPr>
-              <a:t>Student Name : </a:t>
-            </a:r>
+              <a:t>Student Name : Adhithya . R</a:t>
+            </a:r>
+            <a:endParaRPr b="0" sz="2800" i="0" lang="en-US">
+              <a:solidFill>
+                <a:srgbClr val="404040"/>
+              </a:solidFill>
+              <a:latin typeface="quote-cjk-patch"/>
+              <a:ea typeface="quote-cjk-patch"/>
+            </a:endParaRPr>
+          </a:p>
+          <a:p>
+            <a:pPr indent="0" marL="0">
+              <a:lnSpc>
+                <a:spcPct val="100000"/>
+              </a:lnSpc>
+              <a:spcBef>
+                <a:spcPts val="600"/>
+              </a:spcBef>
+              <a:spcAft>
+                <a:spcPts val="600"/>
+              </a:spcAft>
+            </a:pPr>
+            <a:endParaRPr b="0" sz="2800" i="0" lang="en-US">
+              <a:solidFill>
+                <a:srgbClr val="404040"/>
+              </a:solidFill>
+              <a:latin typeface="quote-cjk-patch"/>
+              <a:ea typeface="quote-cjk-patch"/>
+            </a:endParaRPr>
+          </a:p>
+          <a:p>
+            <a:pPr indent="0" marL="0">
+              <a:lnSpc>
+                <a:spcPct val="100000"/>
+              </a:lnSpc>
+              <a:spcBef>
+                <a:spcPts val="600"/>
+              </a:spcBef>
+              <a:spcAft>
+                <a:spcPts val="600"/>
+              </a:spcAft>
+            </a:pPr>
             <a:r>
               <a:rPr b="0" sz="2800" i="0" lang="en-US">
                 <a:solidFill>
@@ -3467,8 +3508,48 @@
                 <a:latin typeface="quote-cjk-patch"/>
                 <a:ea typeface="quote-cjk-patch"/>
               </a:rPr>
-              <a:t>A</a:t>
-            </a:r>
+              <a:t>Register Number : 24134080500121010</a:t>
+            </a:r>
+            <a:endParaRPr b="0" sz="2800" i="0" lang="en-US">
+              <a:solidFill>
+                <a:srgbClr val="404040"/>
+              </a:solidFill>
+              <a:latin typeface="quote-cjk-patch"/>
+              <a:ea typeface="quote-cjk-patch"/>
+            </a:endParaRPr>
+          </a:p>
+          <a:p>
+            <a:pPr indent="0" marL="0">
+              <a:lnSpc>
+                <a:spcPct val="100000"/>
+              </a:lnSpc>
+              <a:spcBef>
+                <a:spcPts val="600"/>
+              </a:spcBef>
+              <a:spcAft>
+                <a:spcPts val="600"/>
+              </a:spcAft>
+            </a:pPr>
+            <a:endParaRPr b="0" sz="2800" i="0" lang="en-US">
+              <a:solidFill>
+                <a:srgbClr val="404040"/>
+              </a:solidFill>
+              <a:latin typeface="quote-cjk-patch"/>
+              <a:ea typeface="quote-cjk-patch"/>
+            </a:endParaRPr>
+          </a:p>
+          <a:p>
+            <a:pPr indent="0" marL="0">
+              <a:lnSpc>
+                <a:spcPct val="100000"/>
+              </a:lnSpc>
+              <a:spcBef>
+                <a:spcPts val="600"/>
+              </a:spcBef>
+              <a:spcAft>
+                <a:spcPts val="600"/>
+              </a:spcAft>
+            </a:pPr>
             <a:r>
               <a:rPr b="0" sz="2800" i="0" lang="en-US">
                 <a:solidFill>
@@ -3477,207 +3558,7 @@
                 <a:latin typeface="quote-cjk-patch"/>
                 <a:ea typeface="quote-cjk-patch"/>
               </a:rPr>
-              <a:t>d</a:t>
-            </a:r>
-            <a:r>
-              <a:rPr b="0" sz="2800" i="0" lang="en-US">
-                <a:solidFill>
-                  <a:srgbClr val="404040"/>
-                </a:solidFill>
-                <a:latin typeface="quote-cjk-patch"/>
-                <a:ea typeface="quote-cjk-patch"/>
-              </a:rPr>
-              <a:t>h</a:t>
-            </a:r>
-            <a:r>
-              <a:rPr b="0" sz="2800" i="0" lang="en-US">
-                <a:solidFill>
-                  <a:srgbClr val="404040"/>
-                </a:solidFill>
-                <a:latin typeface="quote-cjk-patch"/>
-                <a:ea typeface="quote-cjk-patch"/>
-              </a:rPr>
-              <a:t>i</a:t>
-            </a:r>
-            <a:r>
-              <a:rPr b="0" sz="2800" i="0" lang="en-US">
-                <a:solidFill>
-                  <a:srgbClr val="404040"/>
-                </a:solidFill>
-                <a:latin typeface="quote-cjk-patch"/>
-                <a:ea typeface="quote-cjk-patch"/>
-              </a:rPr>
-              <a:t>t</a:t>
-            </a:r>
-            <a:r>
-              <a:rPr b="0" sz="2800" i="0" lang="en-US">
-                <a:solidFill>
-                  <a:srgbClr val="404040"/>
-                </a:solidFill>
-                <a:latin typeface="quote-cjk-patch"/>
-                <a:ea typeface="quote-cjk-patch"/>
-              </a:rPr>
-              <a:t>h</a:t>
-            </a:r>
-            <a:r>
-              <a:rPr b="0" sz="2800" i="0" lang="en-US">
-                <a:solidFill>
-                  <a:srgbClr val="404040"/>
-                </a:solidFill>
-                <a:latin typeface="quote-cjk-patch"/>
-                <a:ea typeface="quote-cjk-patch"/>
-              </a:rPr>
-              <a:t>yan</a:t>
-            </a:r>
-            <a:r>
-              <a:rPr b="0" sz="2800" i="0" lang="en-US">
-                <a:solidFill>
-                  <a:srgbClr val="404040"/>
-                </a:solidFill>
-                <a:latin typeface="quote-cjk-patch"/>
-                <a:ea typeface="quote-cjk-patch"/>
-              </a:rPr>
-              <a:t>.</a:t>
-            </a:r>
-            <a:r>
-              <a:rPr b="0" sz="2800" i="0" lang="en-US">
-                <a:solidFill>
-                  <a:srgbClr val="404040"/>
-                </a:solidFill>
-                <a:latin typeface="quote-cjk-patch"/>
-                <a:ea typeface="quote-cjk-patch"/>
-              </a:rPr>
-              <a:t>L</a:t>
-            </a:r>
-            <a:endParaRPr b="0" sz="2800" i="0" lang="en-US">
-              <a:solidFill>
-                <a:srgbClr val="404040"/>
-              </a:solidFill>
-              <a:latin typeface="quote-cjk-patch"/>
-              <a:ea typeface="quote-cjk-patch"/>
-            </a:endParaRPr>
-          </a:p>
-          <a:p>
-            <a:pPr indent="0" marL="0">
-              <a:lnSpc>
-                <a:spcPct val="100000"/>
-              </a:lnSpc>
-              <a:spcBef>
-                <a:spcPts val="600"/>
-              </a:spcBef>
-              <a:spcAft>
-                <a:spcPts val="600"/>
-              </a:spcAft>
-            </a:pPr>
-            <a:endParaRPr b="0" sz="2800" i="0" lang="en-US">
-              <a:solidFill>
-                <a:srgbClr val="404040"/>
-              </a:solidFill>
-              <a:latin typeface="quote-cjk-patch"/>
-              <a:ea typeface="quote-cjk-patch"/>
-            </a:endParaRPr>
-          </a:p>
-          <a:p>
-            <a:pPr indent="0" marL="0">
-              <a:lnSpc>
-                <a:spcPct val="100000"/>
-              </a:lnSpc>
-              <a:spcBef>
-                <a:spcPts val="600"/>
-              </a:spcBef>
-              <a:spcAft>
-                <a:spcPts val="600"/>
-              </a:spcAft>
-            </a:pPr>
-            <a:r>
-              <a:rPr b="0" sz="2800" i="0" lang="en-US">
-                <a:solidFill>
-                  <a:srgbClr val="404040"/>
-                </a:solidFill>
-                <a:latin typeface="quote-cjk-patch"/>
-                <a:ea typeface="quote-cjk-patch"/>
-              </a:rPr>
-              <a:t>Register Number : 241340805001210</a:t>
-            </a:r>
-            <a:r>
-              <a:rPr b="0" sz="2800" i="0" lang="en-US">
-                <a:solidFill>
-                  <a:srgbClr val="404040"/>
-                </a:solidFill>
-                <a:latin typeface="quote-cjk-patch"/>
-                <a:ea typeface="quote-cjk-patch"/>
-              </a:rPr>
-              <a:t>0</a:t>
-            </a:r>
-            <a:r>
-              <a:rPr b="0" sz="2800" i="0" lang="en-US">
-                <a:solidFill>
-                  <a:srgbClr val="404040"/>
-                </a:solidFill>
-                <a:latin typeface="quote-cjk-patch"/>
-                <a:ea typeface="quote-cjk-patch"/>
-              </a:rPr>
-              <a:t>6</a:t>
-            </a:r>
-            <a:endParaRPr b="0" sz="2800" i="0" lang="en-US">
-              <a:solidFill>
-                <a:srgbClr val="404040"/>
-              </a:solidFill>
-              <a:latin typeface="quote-cjk-patch"/>
-              <a:ea typeface="quote-cjk-patch"/>
-            </a:endParaRPr>
-          </a:p>
-          <a:p>
-            <a:pPr indent="0" marL="0">
-              <a:lnSpc>
-                <a:spcPct val="100000"/>
-              </a:lnSpc>
-              <a:spcBef>
-                <a:spcPts val="600"/>
-              </a:spcBef>
-              <a:spcAft>
-                <a:spcPts val="600"/>
-              </a:spcAft>
-            </a:pPr>
-            <a:endParaRPr b="0" sz="2800" i="0" lang="en-US">
-              <a:solidFill>
-                <a:srgbClr val="404040"/>
-              </a:solidFill>
-              <a:latin typeface="quote-cjk-patch"/>
-              <a:ea typeface="quote-cjk-patch"/>
-            </a:endParaRPr>
-          </a:p>
-          <a:p>
-            <a:pPr indent="0" marL="0">
-              <a:lnSpc>
-                <a:spcPct val="100000"/>
-              </a:lnSpc>
-              <a:spcBef>
-                <a:spcPts val="600"/>
-              </a:spcBef>
-              <a:spcAft>
-                <a:spcPts val="600"/>
-              </a:spcAft>
-            </a:pPr>
-            <a:r>
-              <a:rPr b="0" sz="2800" i="0" lang="en-US">
-                <a:solidFill>
-                  <a:srgbClr val="404040"/>
-                </a:solidFill>
-                <a:latin typeface="quote-cjk-patch"/>
-                <a:ea typeface="quote-cjk-patch"/>
-              </a:rPr>
-              <a:t>Nuid: </a:t>
-            </a:r>
-            <a:r>
-              <a:rPr b="0" sz="2800" i="0" lang="en-US">
-                <a:solidFill>
-                  <a:srgbClr val="404040"/>
-                </a:solidFill>
-                <a:latin typeface="quote-cjk-patch"/>
-                <a:ea typeface="quote-cjk-patch"/>
-              </a:rPr>
-              <a:t>F59FE4CCBA9984680D047B69F3417572</a:t>
+              <a:t>Nuid: 309DA8CA67EACC3AF27ADBE73</a:t>
             </a:r>
             <a:endParaRPr b="0" sz="2800" i="0" lang="en-US">
               <a:solidFill>
@@ -4033,22 +3914,23 @@
       </p:grpSpPr>
       <p:pic>
         <p:nvPicPr>
-          <p:cNvPr id="2097155" name=""/>
+          <p:cNvPr id="2097153" name="Picture 6" descr="111"/>
           <p:cNvPicPr>
-            <a:picLocks/>
+            <a:picLocks noChangeAspect="1"/>
           </p:cNvPicPr>
           <p:nvPr/>
         </p:nvPicPr>
         <p:blipFill>
           <a:blip xmlns:r="http://schemas.openxmlformats.org/officeDocument/2006/relationships" r:embed="rId2"/>
+          <a:srcRect l="5205" t="17711" r="25750" b="46686"/>
           <a:stretch>
             <a:fillRect/>
           </a:stretch>
         </p:blipFill>
         <p:spPr>
-          <a:xfrm rot="0">
-            <a:off x="1587990" y="759840"/>
-            <a:ext cx="9016019" cy="5873660"/>
+          <a:xfrm>
+            <a:off x="1948180" y="1337310"/>
+            <a:ext cx="8027670" cy="4159885"/>
           </a:xfrm>
           <a:prstGeom prst="rect"/>
         </p:spPr>
@@ -4075,97 +3957,85 @@
       </p:grpSpPr>
       <p:sp>
         <p:nvSpPr>
-          <p:cNvPr id="1048594" name="Text Box 1"/>
+          <p:cNvPr id="1048656" name=""/>
           <p:cNvSpPr txBox="1"/>
           <p:nvPr/>
         </p:nvSpPr>
         <p:spPr>
           <a:xfrm>
-            <a:off x="0" y="0"/>
-            <a:ext cx="11892915" cy="6777990"/>
+            <a:off x="2203970" y="3251200"/>
+            <a:ext cx="7818595" cy="929640"/>
           </a:xfrm>
           <a:prstGeom prst="rect"/>
         </p:spPr>
         <p:txBody>
-          <a:bodyPr>
-            <a:noAutofit/>
+          <a:bodyPr rtlCol="0" wrap="square">
+            <a:spAutoFit/>
           </a:bodyPr>
           <a:p>
-            <a:pPr algn="ctr" indent="0" marL="0">
-              <a:spcBef>
-                <a:spcPts val="900"/>
-              </a:spcBef>
-              <a:spcAft>
-                <a:spcPts val="600"/>
-              </a:spcAft>
-            </a:pPr>
-            <a:r>
-              <a:rPr b="1" sz="4400" i="0">
+            <a:r>
+              <a:rPr sz="2800" lang="en-US">
                 <a:solidFill>
-                  <a:srgbClr val="404040"/>
+                  <a:srgbClr val="000000"/>
                 </a:solidFill>
-                <a:latin typeface="quote-cjk-patch"/>
-                <a:ea typeface="quote-cjk-patch"/>
               </a:rPr>
-              <a:t>Conclusion</a:t>
-            </a:r>
-            <a:endParaRPr b="1" sz="4400" i="0">
-              <a:solidFill>
-                <a:srgbClr val="404040"/>
-              </a:solidFill>
-              <a:latin typeface="quote-cjk-patch"/>
-              <a:ea typeface="quote-cjk-patch"/>
-            </a:endParaRPr>
-          </a:p>
-          <a:p>
-            <a:pPr algn="ctr" indent="0" marL="0">
-              <a:spcBef>
-                <a:spcPts val="900"/>
-              </a:spcBef>
-              <a:spcAft>
-                <a:spcPts val="600"/>
-              </a:spcAft>
-            </a:pPr>
-            <a:endParaRPr b="1" i="0">
-              <a:solidFill>
-                <a:srgbClr val="404040"/>
-              </a:solidFill>
-              <a:latin typeface="quote-cjk-patch"/>
-              <a:ea typeface="quote-cjk-patch"/>
-            </a:endParaRPr>
-          </a:p>
-          <a:p>
-            <a:pPr indent="0" marL="0">
-              <a:lnSpc>
-                <a:spcPct val="100000"/>
-              </a:lnSpc>
-              <a:spcBef>
-                <a:spcPts val="600"/>
-              </a:spcBef>
-              <a:spcAft>
-                <a:spcPts val="600"/>
-              </a:spcAft>
-            </a:pPr>
-            <a:r>
-              <a:rPr b="0" sz="2800" i="0">
-                <a:solidFill>
-                  <a:srgbClr val="404040"/>
-                </a:solidFill>
-                <a:latin typeface="quote-cjk-patch"/>
-                <a:ea typeface="quote-cjk-patch"/>
-              </a:rPr>
-              <a:t>The "Smart Digital Portfolio" project successfully addresses the modern need for a dynamic and insightful professional presentation. By integrating traditional portfolio elements with powerful analytics and a personalized recommendation system, it empowers students to not only display their past achievements but also strategically plan their future skill development. This platform bridges the gap between students and opportunities effectively.</a:t>
-            </a:r>
-            <a:endParaRPr b="0" sz="2800" i="0">
-              <a:solidFill>
-                <a:srgbClr val="404040"/>
-              </a:solidFill>
-              <a:latin typeface="quote-cjk-patch"/>
-              <a:ea typeface="quote-cjk-patch"/>
-            </a:endParaRPr>
-          </a:p>
-        </p:txBody>
-      </p:sp>
+              <a:t>https://github.com/a96176957-alt/Adhithyan_TNSDC_FWD_DP.git</a:t>
+            </a:r>
+            <a:endParaRPr sz="2800" lang="en-US">
+              <a:solidFill>
+                <a:srgbClr val="000000"/>
+              </a:solidFill>
+            </a:endParaRPr>
+          </a:p>
+        </p:txBody>
+      </p:sp>
+    </p:spTree>
+  </p:cSld>
+  <p:clrMapOvr>
+    <a:masterClrMapping/>
+  </p:clrMapOvr>
+</p:sld>
+</file>
+
+<file path=ppt/slides/slide13.xml><?xml version="1.0" encoding="utf-8"?>
+<p:sld xmlns:a="http://schemas.openxmlformats.org/drawingml/2006/main" xmlns:r="http://schemas.openxmlformats.org/officeDocument/2006/relationships" xmlns:p="http://schemas.openxmlformats.org/presentationml/2006/main">
+  <p:cSld>
+    <p:spTree>
+      <p:nvGrpSpPr>
+        <p:cNvPr id="50" name=""/>
+        <p:cNvGrpSpPr/>
+        <p:nvPr/>
+      </p:nvGrpSpPr>
+      <p:grpSpPr>
+        <a:xfrm>
+          <a:off x="0" y="0"/>
+          <a:ext cx="0" cy="0"/>
+          <a:chOff x="0" y="0"/>
+          <a:chExt cx="0" cy="0"/>
+        </a:xfrm>
+      </p:grpSpPr>
+      <p:pic>
+        <p:nvPicPr>
+          <p:cNvPr id="2097155" name=""/>
+          <p:cNvPicPr>
+            <a:picLocks/>
+          </p:cNvPicPr>
+          <p:nvPr/>
+        </p:nvPicPr>
+        <p:blipFill>
+          <a:blip xmlns:r="http://schemas.openxmlformats.org/officeDocument/2006/relationships" r:embed="rId1"/>
+          <a:stretch>
+            <a:fillRect/>
+          </a:stretch>
+        </p:blipFill>
+        <p:spPr>
+          <a:xfrm rot="0">
+            <a:off x="0" y="16933"/>
+            <a:ext cx="12192000" cy="6824133"/>
+          </a:xfrm>
+          <a:prstGeom prst="rect"/>
+        </p:spPr>
+      </p:pic>
     </p:spTree>
   </p:cSld>
   <p:clrMapOvr>
